--- a/Query_Writing/07_Data_Manipulation_Language.pptx
+++ b/Query_Writing/07_Data_Manipulation_Language.pptx
@@ -12,9 +12,9 @@
     <p:sldId id="1612" r:id="rId3"/>
     <p:sldId id="374" r:id="rId4"/>
     <p:sldId id="1590" r:id="rId5"/>
-    <p:sldId id="1591" r:id="rId6"/>
-    <p:sldId id="1592" r:id="rId7"/>
-    <p:sldId id="1593" r:id="rId8"/>
+    <p:sldId id="1593" r:id="rId6"/>
+    <p:sldId id="1591" r:id="rId7"/>
+    <p:sldId id="1592" r:id="rId8"/>
     <p:sldId id="1653" r:id="rId9"/>
     <p:sldId id="1654" r:id="rId10"/>
     <p:sldId id="1548" r:id="rId11"/>
@@ -126,9 +126,9 @@
             <p14:sldId id="1612"/>
             <p14:sldId id="374"/>
             <p14:sldId id="1590"/>
+            <p14:sldId id="1593"/>
             <p14:sldId id="1591"/>
             <p14:sldId id="1592"/>
-            <p14:sldId id="1593"/>
             <p14:sldId id="1653"/>
             <p14:sldId id="1654"/>
             <p14:sldId id="1548"/>
@@ -145,14 +145,6 @@
     </p:ext>
   </p:extLst>
 </p:presentation>
-</file>
-
-<file path=ppt/revisionInfo.xml><?xml version="1.0" encoding="utf-8"?>
-<p1510:revInfo xmlns:a="http://schemas.openxmlformats.org/drawingml/2006/main" xmlns:r="http://schemas.openxmlformats.org/officeDocument/2006/relationships" xmlns:p1510="http://schemas.microsoft.com/office/powerpoint/2015/10/main">
-  <p1510:revLst>
-    <p1510:client id="{C870F873-4142-4FE6-92E9-06DD85FBFB3B}" v="39" dt="2020-10-25T14:30:57.396"/>
-  </p1510:revLst>
-</p1510:revInfo>
 </file>
 
 <file path=ppt/diagrams/colors1.xml><?xml version="1.0" encoding="utf-8"?>
@@ -3151,7 +3143,7 @@
           <a:p>
             <a:fld id="{CFBA6064-FDE0-48E8-9405-22609F48ED19}" type="datetimeFigureOut">
               <a:rPr lang="en-US" smtClean="0"/>
-              <a:t>10/25/2020</a:t>
+              <a:t>11/3/2020</a:t>
             </a:fld>
             <a:endParaRPr lang="en-US"/>
           </a:p>
@@ -3483,7 +3475,7 @@
           <a:p>
             <a:fld id="{56E97690-D681-4B47-8FD4-7300C9E579A2}" type="slidenum">
               <a:rPr lang="en-US" smtClean="0"/>
-              <a:t>6</a:t>
+              <a:t>7</a:t>
             </a:fld>
             <a:endParaRPr lang="en-US"/>
           </a:p>
@@ -6965,6 +6957,156 @@
                 <a:ea typeface="+mj-ea"/>
                 <a:cs typeface="Segoe UI Light"/>
               </a:rPr>
+              <a:t>DELETE vs TRUNCATE vs DROP</a:t>
+            </a:r>
+          </a:p>
+        </p:txBody>
+      </p:sp>
+      <p:pic>
+        <p:nvPicPr>
+          <p:cNvPr id="10" name="Picture 9">
+            <a:extLst>
+              <a:ext uri="{FF2B5EF4-FFF2-40B4-BE49-F238E27FC236}">
+                <a16:creationId xmlns:a16="http://schemas.microsoft.com/office/drawing/2014/main" id="{B86D46A5-C148-4934-B0D0-DEB746CB30BF}"/>
+              </a:ext>
+            </a:extLst>
+          </p:cNvPr>
+          <p:cNvPicPr>
+            <a:picLocks noChangeAspect="1"/>
+          </p:cNvPicPr>
+          <p:nvPr/>
+        </p:nvPicPr>
+        <p:blipFill>
+          <a:blip r:embed="rId2"/>
+          <a:stretch>
+            <a:fillRect/>
+          </a:stretch>
+        </p:blipFill>
+        <p:spPr>
+          <a:xfrm>
+            <a:off x="908931" y="1636151"/>
+            <a:ext cx="10374139" cy="3937725"/>
+          </a:xfrm>
+          <a:prstGeom prst="rect">
+            <a:avLst/>
+          </a:prstGeom>
+          <a:ln>
+            <a:noFill/>
+          </a:ln>
+          <a:effectLst>
+            <a:outerShdw blurRad="190500" algn="tl" rotWithShape="0">
+              <a:srgbClr val="000000">
+                <a:alpha val="70000"/>
+              </a:srgbClr>
+            </a:outerShdw>
+          </a:effectLst>
+        </p:spPr>
+      </p:pic>
+    </p:spTree>
+    <p:extLst>
+      <p:ext uri="{BB962C8B-B14F-4D97-AF65-F5344CB8AC3E}">
+        <p14:creationId xmlns:p14="http://schemas.microsoft.com/office/powerpoint/2010/main" val="2639720021"/>
+      </p:ext>
+    </p:extLst>
+  </p:cSld>
+  <p:clrMapOvr>
+    <a:masterClrMapping/>
+  </p:clrMapOvr>
+  <mc:AlternateContent xmlns:mc="http://schemas.openxmlformats.org/markup-compatibility/2006" xmlns:p14="http://schemas.microsoft.com/office/powerpoint/2010/main">
+    <mc:Choice Requires="p14">
+      <p:transition p14:dur="0"/>
+    </mc:Choice>
+    <mc:Fallback xmlns="">
+      <p:transition/>
+    </mc:Fallback>
+  </mc:AlternateContent>
+</p:sld>
+</file>
+
+<file path=ppt/slides/slide6.xml><?xml version="1.0" encoding="utf-8"?>
+<p:sld xmlns:a="http://schemas.openxmlformats.org/drawingml/2006/main" xmlns:r="http://schemas.openxmlformats.org/officeDocument/2006/relationships" xmlns:p="http://schemas.openxmlformats.org/presentationml/2006/main">
+  <p:cSld>
+    <p:spTree>
+      <p:nvGrpSpPr>
+        <p:cNvPr id="1" name=""/>
+        <p:cNvGrpSpPr/>
+        <p:nvPr/>
+      </p:nvGrpSpPr>
+      <p:grpSpPr>
+        <a:xfrm>
+          <a:off x="0" y="0"/>
+          <a:ext cx="0" cy="0"/>
+          <a:chOff x="0" y="0"/>
+          <a:chExt cx="0" cy="0"/>
+        </a:xfrm>
+      </p:grpSpPr>
+      <p:sp>
+        <p:nvSpPr>
+          <p:cNvPr id="13" name="Title 3">
+            <a:extLst>
+              <a:ext uri="{FF2B5EF4-FFF2-40B4-BE49-F238E27FC236}">
+                <a16:creationId xmlns:a16="http://schemas.microsoft.com/office/drawing/2014/main" id="{801D87DF-ECCF-413F-857F-FA7562D70F05}"/>
+              </a:ext>
+            </a:extLst>
+          </p:cNvPr>
+          <p:cNvSpPr txBox="1">
+            <a:spLocks/>
+          </p:cNvSpPr>
+          <p:nvPr/>
+        </p:nvSpPr>
+        <p:spPr>
+          <a:xfrm>
+            <a:off x="283545" y="216812"/>
+            <a:ext cx="11655840" cy="899537"/>
+          </a:xfrm>
+          <a:prstGeom prst="rect">
+            <a:avLst/>
+          </a:prstGeom>
+        </p:spPr>
+        <p:txBody>
+          <a:bodyPr vert="horz" wrap="square" lIns="143428" tIns="89642" rIns="143428" bIns="89642" rtlCol="0" anchor="t">
+            <a:noAutofit/>
+          </a:bodyPr>
+          <a:lstStyle>
+            <a:lvl1pPr algn="l" defTabSz="932742" rtl="0" eaLnBrk="1" latinLnBrk="0" hangingPunct="1">
+              <a:lnSpc>
+                <a:spcPct val="90000"/>
+              </a:lnSpc>
+              <a:spcBef>
+                <a:spcPct val="0"/>
+              </a:spcBef>
+              <a:buNone/>
+              <a:defRPr lang="en-US" sz="4800" b="0" kern="1200" cap="none" spc="-102" baseline="0" dirty="0" smtClean="0">
+                <a:ln w="3175">
+                  <a:noFill/>
+                </a:ln>
+                <a:solidFill>
+                  <a:srgbClr val="0078D7"/>
+                </a:solidFill>
+                <a:effectLst/>
+                <a:latin typeface="+mj-lt"/>
+                <a:ea typeface="+mn-ea"/>
+                <a:cs typeface="Segoe UI" pitchFamily="34" charset="0"/>
+              </a:defRPr>
+            </a:lvl1pPr>
+          </a:lstStyle>
+          <a:p>
+            <a:pPr defTabSz="914367">
+              <a:defRPr/>
+            </a:pPr>
+            <a:r>
+              <a:rPr lang="en-US" sz="3600" spc="0" dirty="0">
+                <a:ln>
+                  <a:noFill/>
+                </a:ln>
+                <a:solidFill>
+                  <a:schemeClr val="accent4">
+                    <a:lumMod val="75000"/>
+                  </a:schemeClr>
+                </a:solidFill>
+                <a:ea typeface="+mj-ea"/>
+                <a:cs typeface="Segoe UI Light"/>
+              </a:rPr>
               <a:t>Inserting values into IDENTITY Columns</a:t>
             </a:r>
           </a:p>
@@ -7051,7 +7193,7 @@
 </p:sld>
 </file>
 
-<file path=ppt/slides/slide6.xml><?xml version="1.0" encoding="utf-8"?>
+<file path=ppt/slides/slide7.xml><?xml version="1.0" encoding="utf-8"?>
 <p:sld xmlns:a="http://schemas.openxmlformats.org/drawingml/2006/main" xmlns:r="http://schemas.openxmlformats.org/officeDocument/2006/relationships" xmlns:p="http://schemas.openxmlformats.org/presentationml/2006/main">
   <p:cSld>
     <p:spTree>
@@ -7539,156 +7681,6 @@
     <p:extLst>
       <p:ext uri="{BB962C8B-B14F-4D97-AF65-F5344CB8AC3E}">
         <p14:creationId xmlns:p14="http://schemas.microsoft.com/office/powerpoint/2010/main" val="715046013"/>
-      </p:ext>
-    </p:extLst>
-  </p:cSld>
-  <p:clrMapOvr>
-    <a:masterClrMapping/>
-  </p:clrMapOvr>
-  <mc:AlternateContent xmlns:mc="http://schemas.openxmlformats.org/markup-compatibility/2006" xmlns:p14="http://schemas.microsoft.com/office/powerpoint/2010/main">
-    <mc:Choice Requires="p14">
-      <p:transition p14:dur="0"/>
-    </mc:Choice>
-    <mc:Fallback xmlns="">
-      <p:transition/>
-    </mc:Fallback>
-  </mc:AlternateContent>
-</p:sld>
-</file>
-
-<file path=ppt/slides/slide7.xml><?xml version="1.0" encoding="utf-8"?>
-<p:sld xmlns:a="http://schemas.openxmlformats.org/drawingml/2006/main" xmlns:r="http://schemas.openxmlformats.org/officeDocument/2006/relationships" xmlns:p="http://schemas.openxmlformats.org/presentationml/2006/main">
-  <p:cSld>
-    <p:spTree>
-      <p:nvGrpSpPr>
-        <p:cNvPr id="1" name=""/>
-        <p:cNvGrpSpPr/>
-        <p:nvPr/>
-      </p:nvGrpSpPr>
-      <p:grpSpPr>
-        <a:xfrm>
-          <a:off x="0" y="0"/>
-          <a:ext cx="0" cy="0"/>
-          <a:chOff x="0" y="0"/>
-          <a:chExt cx="0" cy="0"/>
-        </a:xfrm>
-      </p:grpSpPr>
-      <p:sp>
-        <p:nvSpPr>
-          <p:cNvPr id="13" name="Title 3">
-            <a:extLst>
-              <a:ext uri="{FF2B5EF4-FFF2-40B4-BE49-F238E27FC236}">
-                <a16:creationId xmlns:a16="http://schemas.microsoft.com/office/drawing/2014/main" id="{801D87DF-ECCF-413F-857F-FA7562D70F05}"/>
-              </a:ext>
-            </a:extLst>
-          </p:cNvPr>
-          <p:cNvSpPr txBox="1">
-            <a:spLocks/>
-          </p:cNvSpPr>
-          <p:nvPr/>
-        </p:nvSpPr>
-        <p:spPr>
-          <a:xfrm>
-            <a:off x="283545" y="216812"/>
-            <a:ext cx="11655840" cy="899537"/>
-          </a:xfrm>
-          <a:prstGeom prst="rect">
-            <a:avLst/>
-          </a:prstGeom>
-        </p:spPr>
-        <p:txBody>
-          <a:bodyPr vert="horz" wrap="square" lIns="143428" tIns="89642" rIns="143428" bIns="89642" rtlCol="0" anchor="t">
-            <a:noAutofit/>
-          </a:bodyPr>
-          <a:lstStyle>
-            <a:lvl1pPr algn="l" defTabSz="932742" rtl="0" eaLnBrk="1" latinLnBrk="0" hangingPunct="1">
-              <a:lnSpc>
-                <a:spcPct val="90000"/>
-              </a:lnSpc>
-              <a:spcBef>
-                <a:spcPct val="0"/>
-              </a:spcBef>
-              <a:buNone/>
-              <a:defRPr lang="en-US" sz="4800" b="0" kern="1200" cap="none" spc="-102" baseline="0" dirty="0" smtClean="0">
-                <a:ln w="3175">
-                  <a:noFill/>
-                </a:ln>
-                <a:solidFill>
-                  <a:srgbClr val="0078D7"/>
-                </a:solidFill>
-                <a:effectLst/>
-                <a:latin typeface="+mj-lt"/>
-                <a:ea typeface="+mn-ea"/>
-                <a:cs typeface="Segoe UI" pitchFamily="34" charset="0"/>
-              </a:defRPr>
-            </a:lvl1pPr>
-          </a:lstStyle>
-          <a:p>
-            <a:pPr defTabSz="914367">
-              <a:defRPr/>
-            </a:pPr>
-            <a:r>
-              <a:rPr lang="en-US" sz="3600" spc="0" dirty="0">
-                <a:ln>
-                  <a:noFill/>
-                </a:ln>
-                <a:solidFill>
-                  <a:schemeClr val="accent4">
-                    <a:lumMod val="75000"/>
-                  </a:schemeClr>
-                </a:solidFill>
-                <a:ea typeface="+mj-ea"/>
-                <a:cs typeface="Segoe UI Light"/>
-              </a:rPr>
-              <a:t>DELETE vs TRUNCATE vs DROP</a:t>
-            </a:r>
-          </a:p>
-        </p:txBody>
-      </p:sp>
-      <p:pic>
-        <p:nvPicPr>
-          <p:cNvPr id="10" name="Picture 9">
-            <a:extLst>
-              <a:ext uri="{FF2B5EF4-FFF2-40B4-BE49-F238E27FC236}">
-                <a16:creationId xmlns:a16="http://schemas.microsoft.com/office/drawing/2014/main" id="{B86D46A5-C148-4934-B0D0-DEB746CB30BF}"/>
-              </a:ext>
-            </a:extLst>
-          </p:cNvPr>
-          <p:cNvPicPr>
-            <a:picLocks noChangeAspect="1"/>
-          </p:cNvPicPr>
-          <p:nvPr/>
-        </p:nvPicPr>
-        <p:blipFill>
-          <a:blip r:embed="rId2"/>
-          <a:stretch>
-            <a:fillRect/>
-          </a:stretch>
-        </p:blipFill>
-        <p:spPr>
-          <a:xfrm>
-            <a:off x="908931" y="1636151"/>
-            <a:ext cx="10374139" cy="3937725"/>
-          </a:xfrm>
-          <a:prstGeom prst="rect">
-            <a:avLst/>
-          </a:prstGeom>
-          <a:ln>
-            <a:noFill/>
-          </a:ln>
-          <a:effectLst>
-            <a:outerShdw blurRad="190500" algn="tl" rotWithShape="0">
-              <a:srgbClr val="000000">
-                <a:alpha val="70000"/>
-              </a:srgbClr>
-            </a:outerShdw>
-          </a:effectLst>
-        </p:spPr>
-      </p:pic>
-    </p:spTree>
-    <p:extLst>
-      <p:ext uri="{BB962C8B-B14F-4D97-AF65-F5344CB8AC3E}">
-        <p14:creationId xmlns:p14="http://schemas.microsoft.com/office/powerpoint/2010/main" val="2639720021"/>
       </p:ext>
     </p:extLst>
   </p:cSld>

--- a/Query_Writing/07_Data_Manipulation_Language.pptx
+++ b/Query_Writing/07_Data_Manipulation_Language.pptx
@@ -5,7 +5,7 @@
     <p:sldMasterId id="2147483660" r:id="rId1"/>
   </p:sldMasterIdLst>
   <p:notesMasterIdLst>
-    <p:notesMasterId r:id="rId13"/>
+    <p:notesMasterId r:id="rId14"/>
   </p:notesMasterIdLst>
   <p:sldIdLst>
     <p:sldId id="1635" r:id="rId2"/>
@@ -15,10 +15,11 @@
     <p:sldId id="1593" r:id="rId6"/>
     <p:sldId id="1591" r:id="rId7"/>
     <p:sldId id="1592" r:id="rId8"/>
-    <p:sldId id="1653" r:id="rId9"/>
-    <p:sldId id="1654" r:id="rId10"/>
-    <p:sldId id="1548" r:id="rId11"/>
-    <p:sldId id="1589" r:id="rId12"/>
+    <p:sldId id="427" r:id="rId9"/>
+    <p:sldId id="1653" r:id="rId10"/>
+    <p:sldId id="1654" r:id="rId11"/>
+    <p:sldId id="1548" r:id="rId12"/>
+    <p:sldId id="1589" r:id="rId13"/>
   </p:sldIdLst>
   <p:sldSz cx="12192000" cy="6858000"/>
   <p:notesSz cx="6858000" cy="9144000"/>
@@ -129,6 +130,7 @@
             <p14:sldId id="1593"/>
             <p14:sldId id="1591"/>
             <p14:sldId id="1592"/>
+            <p14:sldId id="427"/>
             <p14:sldId id="1653"/>
             <p14:sldId id="1654"/>
             <p14:sldId id="1548"/>
@@ -3143,7 +3145,7 @@
           <a:p>
             <a:fld id="{CFBA6064-FDE0-48E8-9405-22609F48ED19}" type="datetimeFigureOut">
               <a:rPr lang="en-US" smtClean="0"/>
-              <a:t>11/3/2020</a:t>
+              <a:t>11/5/2020</a:t>
             </a:fld>
             <a:endParaRPr lang="en-US"/>
           </a:p>
@@ -3781,7 +3783,14 @@
           <a:prstGeom prst="rect">
             <a:avLst/>
           </a:prstGeom>
-          <a:noFill/>
+          <a:solidFill>
+            <a:schemeClr val="tx1"/>
+          </a:solidFill>
+          <a:ln>
+            <a:solidFill>
+              <a:schemeClr val="tx1"/>
+            </a:solidFill>
+          </a:ln>
         </p:spPr>
         <p:txBody>
           <a:bodyPr lIns="146304" tIns="91440" rIns="146304" bIns="91440" anchor="t" anchorCtr="0"/>
@@ -3868,7 +3877,14 @@
           <a:prstGeom prst="rect">
             <a:avLst/>
           </a:prstGeom>
-          <a:noFill/>
+          <a:solidFill>
+            <a:schemeClr val="tx1"/>
+          </a:solidFill>
+          <a:ln>
+            <a:solidFill>
+              <a:schemeClr val="tx1"/>
+            </a:solidFill>
+          </a:ln>
         </p:spPr>
         <p:txBody>
           <a:bodyPr lIns="146284" tIns="91427" rIns="146284" bIns="91427" anchor="t" anchorCtr="0"/>
@@ -3933,11 +3949,11 @@
             <a:avLst/>
           </a:prstGeom>
           <a:solidFill>
-            <a:srgbClr val="080808"/>
+            <a:schemeClr val="tx1"/>
           </a:solidFill>
           <a:ln>
             <a:solidFill>
-              <a:srgbClr val="080808"/>
+              <a:schemeClr val="tx1"/>
             </a:solidFill>
           </a:ln>
         </p:spPr>
@@ -3987,11 +4003,11 @@
             <a:avLst/>
           </a:prstGeom>
           <a:solidFill>
-            <a:srgbClr val="080808"/>
+            <a:schemeClr val="tx1"/>
           </a:solidFill>
           <a:ln>
             <a:solidFill>
-              <a:srgbClr val="080808"/>
+              <a:schemeClr val="tx1"/>
             </a:solidFill>
           </a:ln>
         </p:spPr>
@@ -4041,11 +4057,11 @@
             <a:avLst/>
           </a:prstGeom>
           <a:solidFill>
-            <a:srgbClr val="080808"/>
+            <a:schemeClr val="tx1"/>
           </a:solidFill>
           <a:ln>
             <a:solidFill>
-              <a:srgbClr val="080808"/>
+              <a:schemeClr val="tx1"/>
             </a:solidFill>
           </a:ln>
         </p:spPr>
@@ -4586,13 +4602,43 @@
 </p:sldLayout>
 </file>
 
+<file path=ppt/slideLayouts/slideLayout9.xml><?xml version="1.0" encoding="utf-8"?>
+<p:sldLayout xmlns:a="http://schemas.openxmlformats.org/drawingml/2006/main" xmlns:r="http://schemas.openxmlformats.org/officeDocument/2006/relationships" xmlns:p="http://schemas.openxmlformats.org/presentationml/2006/main" preserve="1" userDrawn="1">
+  <p:cSld name="1_Blank">
+    <p:spTree>
+      <p:nvGrpSpPr>
+        <p:cNvPr id="1" name=""/>
+        <p:cNvGrpSpPr/>
+        <p:nvPr/>
+      </p:nvGrpSpPr>
+      <p:grpSpPr>
+        <a:xfrm>
+          <a:off x="0" y="0"/>
+          <a:ext cx="0" cy="0"/>
+          <a:chOff x="0" y="0"/>
+          <a:chExt cx="0" cy="0"/>
+        </a:xfrm>
+      </p:grpSpPr>
+    </p:spTree>
+    <p:extLst>
+      <p:ext uri="{BB962C8B-B14F-4D97-AF65-F5344CB8AC3E}">
+        <p14:creationId xmlns:p14="http://schemas.microsoft.com/office/powerpoint/2010/main" val="4024647352"/>
+      </p:ext>
+    </p:extLst>
+  </p:cSld>
+  <p:clrMapOvr>
+    <a:masterClrMapping/>
+  </p:clrMapOvr>
+</p:sldLayout>
+</file>
+
 <file path=ppt/slideMasters/slideMaster1.xml><?xml version="1.0" encoding="utf-8"?>
 <p:sldMaster xmlns:a="http://schemas.openxmlformats.org/drawingml/2006/main" xmlns:r="http://schemas.openxmlformats.org/officeDocument/2006/relationships" xmlns:p="http://schemas.openxmlformats.org/presentationml/2006/main">
   <p:cSld>
     <p:bg>
       <p:bgPr>
         <a:blipFill dpi="0" rotWithShape="1">
-          <a:blip r:embed="rId10"/>
+          <a:blip r:embed="rId11"/>
           <a:srcRect/>
           <a:stretch>
             <a:fillRect/>
@@ -4888,6 +4934,7 @@
     <p:sldLayoutId id="2147483741" r:id="rId6"/>
     <p:sldLayoutId id="2147483742" r:id="rId7"/>
     <p:sldLayoutId id="2147483743" r:id="rId8"/>
+    <p:sldLayoutId id="2147483744" r:id="rId9"/>
   </p:sldLayoutIdLst>
   <p:txStyles>
     <p:titleStyle>
@@ -5285,6 +5332,147 @@
       </p:grpSpPr>
       <p:sp>
         <p:nvSpPr>
+          <p:cNvPr id="3" name="Snip Diagonal Corner Rectangle 5">
+            <a:extLst>
+              <a:ext uri="{FF2B5EF4-FFF2-40B4-BE49-F238E27FC236}">
+                <a16:creationId xmlns:a16="http://schemas.microsoft.com/office/drawing/2014/main" id="{92FC9B9A-6B99-4A8D-8E85-12CE5424E0FF}"/>
+              </a:ext>
+            </a:extLst>
+          </p:cNvPr>
+          <p:cNvSpPr/>
+          <p:nvPr/>
+        </p:nvSpPr>
+        <p:spPr bwMode="auto">
+          <a:xfrm>
+            <a:off x="1028700" y="619840"/>
+            <a:ext cx="10134600" cy="5148470"/>
+          </a:xfrm>
+          <a:prstGeom prst="snip2DiagRect">
+            <a:avLst/>
+          </a:prstGeom>
+          <a:noFill/>
+          <a:ln>
+            <a:solidFill>
+              <a:schemeClr val="accent4">
+                <a:lumMod val="50000"/>
+              </a:schemeClr>
+            </a:solidFill>
+            <a:headEnd type="none" w="med" len="med"/>
+            <a:tailEnd type="none" w="med" len="med"/>
+          </a:ln>
+          <a:effectLst/>
+        </p:spPr>
+        <p:style>
+          <a:lnRef idx="1">
+            <a:schemeClr val="accent2"/>
+          </a:lnRef>
+          <a:fillRef idx="3">
+            <a:schemeClr val="accent2"/>
+          </a:fillRef>
+          <a:effectRef idx="2">
+            <a:schemeClr val="accent2"/>
+          </a:effectRef>
+          <a:fontRef idx="minor">
+            <a:schemeClr val="lt1"/>
+          </a:fontRef>
+        </p:style>
+        <p:txBody>
+          <a:bodyPr rot="0" spcFirstLastPara="0" vertOverflow="overflow" horzOverflow="overflow" vert="horz" wrap="square" lIns="186521" tIns="149217" rIns="186521" bIns="149217" numCol="1" spcCol="0" rtlCol="0" fromWordArt="0" anchor="t" anchorCtr="0" forceAA="0" compatLnSpc="1">
+            <a:prstTxWarp prst="textNoShape">
+              <a:avLst/>
+            </a:prstTxWarp>
+            <a:noAutofit/>
+          </a:bodyPr>
+          <a:lstStyle/>
+          <a:p>
+            <a:pPr algn="ctr" defTabSz="969953" fontAlgn="base">
+              <a:lnSpc>
+                <a:spcPct val="90000"/>
+              </a:lnSpc>
+              <a:spcBef>
+                <a:spcPct val="0"/>
+              </a:spcBef>
+              <a:spcAft>
+                <a:spcPct val="0"/>
+              </a:spcAft>
+              <a:defRPr/>
+            </a:pPr>
+            <a:endParaRPr lang="en-US" sz="8800" kern="0" dirty="0">
+              <a:gradFill>
+                <a:gsLst>
+                  <a:gs pos="0">
+                    <a:srgbClr val="FFFFFF"/>
+                  </a:gs>
+                  <a:gs pos="100000">
+                    <a:srgbClr val="FFFFFF"/>
+                  </a:gs>
+                </a:gsLst>
+                <a:lin ang="5400000" scaled="0"/>
+              </a:gradFill>
+              <a:ea typeface="Segoe UI" pitchFamily="34" charset="0"/>
+              <a:cs typeface="Segoe UI" pitchFamily="34" charset="0"/>
+            </a:endParaRPr>
+          </a:p>
+          <a:p>
+            <a:pPr algn="ctr" defTabSz="969953" fontAlgn="base">
+              <a:lnSpc>
+                <a:spcPct val="90000"/>
+              </a:lnSpc>
+              <a:spcBef>
+                <a:spcPct val="0"/>
+              </a:spcBef>
+              <a:spcAft>
+                <a:spcPct val="0"/>
+              </a:spcAft>
+              <a:defRPr/>
+            </a:pPr>
+            <a:r>
+              <a:rPr lang="en-US" sz="8800" kern="0" dirty="0">
+                <a:solidFill>
+                  <a:schemeClr val="accent4">
+                    <a:lumMod val="75000"/>
+                  </a:schemeClr>
+                </a:solidFill>
+                <a:ea typeface="Segoe UI" pitchFamily="34" charset="0"/>
+                <a:cs typeface="Segoe UI" pitchFamily="34" charset="0"/>
+              </a:rPr>
+              <a:t>Questions?</a:t>
+            </a:r>
+          </a:p>
+        </p:txBody>
+      </p:sp>
+    </p:spTree>
+    <p:extLst>
+      <p:ext uri="{BB962C8B-B14F-4D97-AF65-F5344CB8AC3E}">
+        <p14:creationId xmlns:p14="http://schemas.microsoft.com/office/powerpoint/2010/main" val="2373269132"/>
+      </p:ext>
+    </p:extLst>
+  </p:cSld>
+  <p:clrMapOvr>
+    <a:masterClrMapping/>
+  </p:clrMapOvr>
+</p:sld>
+</file>
+
+<file path=ppt/slides/slide11.xml><?xml version="1.0" encoding="utf-8"?>
+<p:sld xmlns:a="http://schemas.openxmlformats.org/drawingml/2006/main" xmlns:r="http://schemas.openxmlformats.org/officeDocument/2006/relationships" xmlns:p="http://schemas.openxmlformats.org/presentationml/2006/main">
+  <p:cSld>
+    <p:spTree>
+      <p:nvGrpSpPr>
+        <p:cNvPr id="1" name=""/>
+        <p:cNvGrpSpPr/>
+        <p:nvPr/>
+      </p:nvGrpSpPr>
+      <p:grpSpPr>
+        <a:xfrm>
+          <a:off x="0" y="0"/>
+          <a:ext cx="0" cy="0"/>
+          <a:chOff x="0" y="0"/>
+          <a:chExt cx="0" cy="0"/>
+        </a:xfrm>
+      </p:grpSpPr>
+      <p:sp>
+        <p:nvSpPr>
           <p:cNvPr id="5" name="Text Placeholder 4"/>
           <p:cNvSpPr>
             <a:spLocks noGrp="1"/>
@@ -5439,7 +5627,7 @@
 </p:sld>
 </file>
 
-<file path=ppt/slides/slide11.xml><?xml version="1.0" encoding="utf-8"?>
+<file path=ppt/slides/slide12.xml><?xml version="1.0" encoding="utf-8"?>
 <p:sld xmlns:a="http://schemas.openxmlformats.org/drawingml/2006/main" xmlns:r="http://schemas.openxmlformats.org/officeDocument/2006/relationships" xmlns:p="http://schemas.openxmlformats.org/presentationml/2006/main">
   <p:cSld>
     <p:spTree>
@@ -7717,119 +7905,783 @@
       </p:grpSpPr>
       <p:sp>
         <p:nvSpPr>
-          <p:cNvPr id="3" name="Snip Diagonal Corner Rectangle 5">
+          <p:cNvPr id="2" name="Title 1">
             <a:extLst>
               <a:ext uri="{FF2B5EF4-FFF2-40B4-BE49-F238E27FC236}">
-                <a16:creationId xmlns:a16="http://schemas.microsoft.com/office/drawing/2014/main" id="{92FC9B9A-6B99-4A8D-8E85-12CE5424E0FF}"/>
+                <a16:creationId xmlns:a16="http://schemas.microsoft.com/office/drawing/2014/main" id="{410BB600-DDC8-43FD-A528-F1E0AB05BF9A}"/>
+              </a:ext>
+            </a:extLst>
+          </p:cNvPr>
+          <p:cNvSpPr txBox="1">
+            <a:spLocks/>
+          </p:cNvSpPr>
+          <p:nvPr/>
+        </p:nvSpPr>
+        <p:spPr>
+          <a:xfrm>
+            <a:off x="235131" y="154002"/>
+            <a:ext cx="10972800" cy="1143000"/>
+          </a:xfrm>
+          <a:prstGeom prst="rect">
+            <a:avLst/>
+          </a:prstGeom>
+        </p:spPr>
+        <p:txBody>
+          <a:bodyPr/>
+          <a:lstStyle>
+            <a:lvl1pPr marL="0" marR="0" indent="0" algn="l" defTabSz="457112" rtl="0" eaLnBrk="1" fontAlgn="auto" latinLnBrk="0" hangingPunct="1">
+              <a:lnSpc>
+                <a:spcPts val="3500"/>
+              </a:lnSpc>
+              <a:spcBef>
+                <a:spcPct val="0"/>
+              </a:spcBef>
+              <a:spcAft>
+                <a:spcPts val="0"/>
+              </a:spcAft>
+              <a:buClrTx/>
+              <a:buSzTx/>
+              <a:buFontTx/>
+              <a:buNone/>
+              <a:tabLst/>
+              <a:defRPr kumimoji="0" lang="en-US" sz="3600" b="0" i="0" u="none" strike="noStrike" kern="1200" cap="none" spc="0" normalizeH="0" baseline="0">
+                <a:ln>
+                  <a:noFill/>
+                </a:ln>
+                <a:solidFill>
+                  <a:srgbClr val="424CA0"/>
+                </a:solidFill>
+                <a:effectLst/>
+                <a:uLnTx/>
+                <a:uFillTx/>
+                <a:latin typeface="+mj-lt"/>
+                <a:ea typeface="+mj-ea"/>
+                <a:cs typeface="Segoe UI Light"/>
+              </a:defRPr>
+            </a:lvl1pPr>
+          </a:lstStyle>
+          <a:p>
+            <a:r>
+              <a:rPr lang="en-US" dirty="0">
+                <a:solidFill>
+                  <a:schemeClr val="tx1"/>
+                </a:solidFill>
+              </a:rPr>
+              <a:t>Using MERGE</a:t>
+            </a:r>
+          </a:p>
+        </p:txBody>
+      </p:sp>
+      <p:pic>
+        <p:nvPicPr>
+          <p:cNvPr id="3" name="Picture 2">
+            <a:extLst>
+              <a:ext uri="{FF2B5EF4-FFF2-40B4-BE49-F238E27FC236}">
+                <a16:creationId xmlns:a16="http://schemas.microsoft.com/office/drawing/2014/main" id="{1AAFA94C-2365-4CB5-81BF-3AEBF5C9622F}"/>
+              </a:ext>
+            </a:extLst>
+          </p:cNvPr>
+          <p:cNvPicPr>
+            <a:picLocks noChangeAspect="1"/>
+          </p:cNvPicPr>
+          <p:nvPr/>
+        </p:nvPicPr>
+        <p:blipFill>
+          <a:blip r:embed="rId2"/>
+          <a:stretch>
+            <a:fillRect/>
+          </a:stretch>
+        </p:blipFill>
+        <p:spPr>
+          <a:xfrm>
+            <a:off x="337577" y="1692873"/>
+            <a:ext cx="3402093" cy="4337079"/>
+          </a:xfrm>
+          <a:prstGeom prst="rect">
+            <a:avLst/>
+          </a:prstGeom>
+        </p:spPr>
+      </p:pic>
+      <p:sp>
+        <p:nvSpPr>
+          <p:cNvPr id="6" name="Rectangle 5">
+            <a:extLst>
+              <a:ext uri="{FF2B5EF4-FFF2-40B4-BE49-F238E27FC236}">
+                <a16:creationId xmlns:a16="http://schemas.microsoft.com/office/drawing/2014/main" id="{529C1FC8-D677-4CC8-9905-5415BCF7D9C9}"/>
               </a:ext>
             </a:extLst>
           </p:cNvPr>
           <p:cNvSpPr/>
           <p:nvPr/>
         </p:nvSpPr>
-        <p:spPr bwMode="auto">
+        <p:spPr>
           <a:xfrm>
-            <a:off x="1028700" y="619840"/>
-            <a:ext cx="10134600" cy="5148470"/>
+            <a:off x="235131" y="920957"/>
+            <a:ext cx="3504539" cy="461665"/>
           </a:xfrm>
-          <a:prstGeom prst="snip2DiagRect">
+          <a:prstGeom prst="rect">
             <a:avLst/>
           </a:prstGeom>
-          <a:noFill/>
-          <a:ln>
+          <a:solidFill>
+            <a:schemeClr val="accent4">
+              <a:lumMod val="75000"/>
+            </a:schemeClr>
+          </a:solidFill>
+        </p:spPr>
+        <p:style>
+          <a:lnRef idx="1">
+            <a:schemeClr val="accent1"/>
+          </a:lnRef>
+          <a:fillRef idx="2">
+            <a:schemeClr val="accent1"/>
+          </a:fillRef>
+          <a:effectRef idx="1">
+            <a:schemeClr val="accent1"/>
+          </a:effectRef>
+          <a:fontRef idx="minor">
+            <a:schemeClr val="dk1"/>
+          </a:fontRef>
+        </p:style>
+        <p:txBody>
+          <a:bodyPr wrap="square" lIns="91440" tIns="45720" rIns="91440" bIns="45720">
+            <a:spAutoFit/>
+          </a:bodyPr>
+          <a:lstStyle/>
+          <a:p>
+            <a:pPr algn="ctr"/>
+            <a:r>
+              <a:rPr lang="en-US" sz="2400" b="1" dirty="0">
+                <a:ln w="1905"/>
+                <a:solidFill>
+                  <a:schemeClr val="bg1"/>
+                </a:solidFill>
+                <a:effectLst>
+                  <a:innerShdw blurRad="69850" dist="43180" dir="5400000">
+                    <a:srgbClr val="000000">
+                      <a:alpha val="65000"/>
+                    </a:srgbClr>
+                  </a:innerShdw>
+                </a:effectLst>
+              </a:rPr>
+              <a:t>Demo Setup</a:t>
+            </a:r>
+          </a:p>
+        </p:txBody>
+      </p:sp>
+      <p:grpSp>
+        <p:nvGrpSpPr>
+          <p:cNvPr id="16" name="Group 15">
+            <a:extLst>
+              <a:ext uri="{FF2B5EF4-FFF2-40B4-BE49-F238E27FC236}">
+                <a16:creationId xmlns:a16="http://schemas.microsoft.com/office/drawing/2014/main" id="{8ADF4712-9771-435D-9DDA-9CBDEB3C1FDB}"/>
+              </a:ext>
+            </a:extLst>
+          </p:cNvPr>
+          <p:cNvGrpSpPr/>
+          <p:nvPr/>
+        </p:nvGrpSpPr>
+        <p:grpSpPr>
+          <a:xfrm>
+            <a:off x="5353050" y="710119"/>
+            <a:ext cx="1485900" cy="1730376"/>
+            <a:chOff x="7287823" y="502649"/>
+            <a:chExt cx="1485900" cy="1730376"/>
+          </a:xfrm>
+        </p:grpSpPr>
+        <p:pic>
+          <p:nvPicPr>
+            <p:cNvPr id="7" name="Picture 6">
+              <a:extLst>
+                <a:ext uri="{FF2B5EF4-FFF2-40B4-BE49-F238E27FC236}">
+                  <a16:creationId xmlns:a16="http://schemas.microsoft.com/office/drawing/2014/main" id="{A6014657-A21C-412C-8BDF-6B4E3DFA30C3}"/>
+                </a:ext>
+              </a:extLst>
+            </p:cNvPr>
+            <p:cNvPicPr>
+              <a:picLocks noChangeAspect="1"/>
+            </p:cNvPicPr>
+            <p:nvPr/>
+          </p:nvPicPr>
+          <p:blipFill>
+            <a:blip r:embed="rId3"/>
+            <a:stretch>
+              <a:fillRect/>
+            </a:stretch>
+          </p:blipFill>
+          <p:spPr>
+            <a:xfrm>
+              <a:off x="7287823" y="1356725"/>
+              <a:ext cx="1485900" cy="876300"/>
+            </a:xfrm>
+            <a:prstGeom prst="rect">
+              <a:avLst/>
+            </a:prstGeom>
+          </p:spPr>
+        </p:pic>
+        <p:sp>
+          <p:nvSpPr>
+            <p:cNvPr id="8" name="Rectangle 7">
+              <a:extLst>
+                <a:ext uri="{FF2B5EF4-FFF2-40B4-BE49-F238E27FC236}">
+                  <a16:creationId xmlns:a16="http://schemas.microsoft.com/office/drawing/2014/main" id="{B410CA2D-F445-4559-B341-3A751BC66EC8}"/>
+                </a:ext>
+              </a:extLst>
+            </p:cNvPr>
+            <p:cNvSpPr/>
+            <p:nvPr/>
+          </p:nvSpPr>
+          <p:spPr>
+            <a:xfrm>
+              <a:off x="7325923" y="502649"/>
+              <a:ext cx="1447800" cy="830997"/>
+            </a:xfrm>
+            <a:prstGeom prst="rect">
+              <a:avLst/>
+            </a:prstGeom>
             <a:solidFill>
               <a:schemeClr val="accent4">
-                <a:lumMod val="50000"/>
+                <a:lumMod val="75000"/>
+              </a:schemeClr>
+            </a:solidFill>
+          </p:spPr>
+          <p:style>
+            <a:lnRef idx="1">
+              <a:schemeClr val="accent1"/>
+            </a:lnRef>
+            <a:fillRef idx="2">
+              <a:schemeClr val="accent1"/>
+            </a:fillRef>
+            <a:effectRef idx="1">
+              <a:schemeClr val="accent1"/>
+            </a:effectRef>
+            <a:fontRef idx="minor">
+              <a:schemeClr val="dk1"/>
+            </a:fontRef>
+          </p:style>
+          <p:txBody>
+            <a:bodyPr wrap="square" lIns="91440" tIns="45720" rIns="91440" bIns="45720">
+              <a:spAutoFit/>
+            </a:bodyPr>
+            <a:lstStyle/>
+            <a:p>
+              <a:pPr algn="ctr"/>
+              <a:r>
+                <a:rPr lang="en-US" sz="2400" b="1" dirty="0">
+                  <a:ln w="1905"/>
+                  <a:solidFill>
+                    <a:schemeClr val="bg1"/>
+                  </a:solidFill>
+                  <a:effectLst>
+                    <a:innerShdw blurRad="69850" dist="43180" dir="5400000">
+                      <a:srgbClr val="000000">
+                        <a:alpha val="65000"/>
+                      </a:srgbClr>
+                    </a:innerShdw>
+                  </a:effectLst>
+                </a:rPr>
+                <a:t>Student Target</a:t>
+              </a:r>
+            </a:p>
+          </p:txBody>
+        </p:sp>
+      </p:grpSp>
+      <p:pic>
+        <p:nvPicPr>
+          <p:cNvPr id="9" name="Picture 8">
+            <a:extLst>
+              <a:ext uri="{FF2B5EF4-FFF2-40B4-BE49-F238E27FC236}">
+                <a16:creationId xmlns:a16="http://schemas.microsoft.com/office/drawing/2014/main" id="{3442812C-02CF-4DAD-BF68-78AA8D15E423}"/>
+              </a:ext>
+            </a:extLst>
+          </p:cNvPr>
+          <p:cNvPicPr>
+            <a:picLocks noChangeAspect="1"/>
+          </p:cNvPicPr>
+          <p:nvPr/>
+        </p:nvPicPr>
+        <p:blipFill>
+          <a:blip r:embed="rId4"/>
+          <a:stretch>
+            <a:fillRect/>
+          </a:stretch>
+        </p:blipFill>
+        <p:spPr>
+          <a:xfrm>
+            <a:off x="4733282" y="2593633"/>
+            <a:ext cx="5676784" cy="3376099"/>
+          </a:xfrm>
+          <a:prstGeom prst="rect">
+            <a:avLst/>
+          </a:prstGeom>
+        </p:spPr>
+      </p:pic>
+      <p:grpSp>
+        <p:nvGrpSpPr>
+          <p:cNvPr id="17" name="Group 16">
+            <a:extLst>
+              <a:ext uri="{FF2B5EF4-FFF2-40B4-BE49-F238E27FC236}">
+                <a16:creationId xmlns:a16="http://schemas.microsoft.com/office/drawing/2014/main" id="{D48A6035-E1B2-44B5-B22F-1F8BFA76A8C4}"/>
+              </a:ext>
+            </a:extLst>
+          </p:cNvPr>
+          <p:cNvGrpSpPr/>
+          <p:nvPr/>
+        </p:nvGrpSpPr>
+        <p:grpSpPr>
+          <a:xfrm>
+            <a:off x="10122397" y="4568090"/>
+            <a:ext cx="1469693" cy="1742222"/>
+            <a:chOff x="10318931" y="4542690"/>
+            <a:chExt cx="1469693" cy="1742222"/>
+          </a:xfrm>
+        </p:grpSpPr>
+        <p:pic>
+          <p:nvPicPr>
+            <p:cNvPr id="10" name="Picture 9">
+              <a:extLst>
+                <a:ext uri="{FF2B5EF4-FFF2-40B4-BE49-F238E27FC236}">
+                  <a16:creationId xmlns:a16="http://schemas.microsoft.com/office/drawing/2014/main" id="{17FB2482-BB3D-438D-974B-E20708163B65}"/>
+                </a:ext>
+              </a:extLst>
+            </p:cNvPr>
+            <p:cNvPicPr>
+              <a:picLocks noChangeAspect="1"/>
+            </p:cNvPicPr>
+            <p:nvPr/>
+          </p:nvPicPr>
+          <p:blipFill>
+            <a:blip r:embed="rId5"/>
+            <a:stretch>
+              <a:fillRect/>
+            </a:stretch>
+          </p:blipFill>
+          <p:spPr>
+            <a:xfrm>
+              <a:off x="10331299" y="5399087"/>
+              <a:ext cx="1457325" cy="885825"/>
+            </a:xfrm>
+            <a:prstGeom prst="rect">
+              <a:avLst/>
+            </a:prstGeom>
+          </p:spPr>
+        </p:pic>
+        <p:sp>
+          <p:nvSpPr>
+            <p:cNvPr id="11" name="Rectangle 10">
+              <a:extLst>
+                <a:ext uri="{FF2B5EF4-FFF2-40B4-BE49-F238E27FC236}">
+                  <a16:creationId xmlns:a16="http://schemas.microsoft.com/office/drawing/2014/main" id="{661DF9D5-B40E-48C4-985E-9DC9E3C58040}"/>
+                </a:ext>
+              </a:extLst>
+            </p:cNvPr>
+            <p:cNvSpPr/>
+            <p:nvPr/>
+          </p:nvSpPr>
+          <p:spPr>
+            <a:xfrm>
+              <a:off x="10318931" y="4542690"/>
+              <a:ext cx="1447800" cy="830997"/>
+            </a:xfrm>
+            <a:prstGeom prst="rect">
+              <a:avLst/>
+            </a:prstGeom>
+            <a:solidFill>
+              <a:schemeClr val="accent4">
+                <a:lumMod val="75000"/>
+              </a:schemeClr>
+            </a:solidFill>
+          </p:spPr>
+          <p:style>
+            <a:lnRef idx="1">
+              <a:schemeClr val="accent1"/>
+            </a:lnRef>
+            <a:fillRef idx="2">
+              <a:schemeClr val="accent1"/>
+            </a:fillRef>
+            <a:effectRef idx="1">
+              <a:schemeClr val="accent1"/>
+            </a:effectRef>
+            <a:fontRef idx="minor">
+              <a:schemeClr val="dk1"/>
+            </a:fontRef>
+          </p:style>
+          <p:txBody>
+            <a:bodyPr wrap="square" lIns="91440" tIns="45720" rIns="91440" bIns="45720">
+              <a:spAutoFit/>
+            </a:bodyPr>
+            <a:lstStyle/>
+            <a:p>
+              <a:pPr algn="ctr"/>
+              <a:r>
+                <a:rPr lang="en-US" sz="2400" b="1" dirty="0">
+                  <a:ln w="1905"/>
+                  <a:solidFill>
+                    <a:schemeClr val="bg1"/>
+                  </a:solidFill>
+                  <a:effectLst>
+                    <a:innerShdw blurRad="69850" dist="43180" dir="5400000">
+                      <a:srgbClr val="000000">
+                        <a:alpha val="65000"/>
+                      </a:srgbClr>
+                    </a:innerShdw>
+                  </a:effectLst>
+                </a:rPr>
+                <a:t>Student Target</a:t>
+              </a:r>
+            </a:p>
+          </p:txBody>
+        </p:sp>
+      </p:grpSp>
+      <p:cxnSp>
+        <p:nvCxnSpPr>
+          <p:cNvPr id="12" name="Straight Arrow Connector 11">
+            <a:extLst>
+              <a:ext uri="{FF2B5EF4-FFF2-40B4-BE49-F238E27FC236}">
+                <a16:creationId xmlns:a16="http://schemas.microsoft.com/office/drawing/2014/main" id="{13400591-1008-43CB-B758-30FDA47A3237}"/>
+              </a:ext>
+            </a:extLst>
+          </p:cNvPr>
+          <p:cNvCxnSpPr>
+            <a:cxnSpLocks/>
+          </p:cNvCxnSpPr>
+          <p:nvPr/>
+        </p:nvCxnSpPr>
+        <p:spPr bwMode="auto">
+          <a:xfrm flipH="1">
+            <a:off x="8209964" y="3071358"/>
+            <a:ext cx="734449" cy="0"/>
+          </a:xfrm>
+          <a:prstGeom prst="straightConnector1">
+            <a:avLst/>
+          </a:prstGeom>
+          <a:ln w="76200">
+            <a:solidFill>
+              <a:schemeClr val="accent4">
+                <a:lumMod val="75000"/>
               </a:schemeClr>
             </a:solidFill>
             <a:headEnd type="none" w="med" len="med"/>
-            <a:tailEnd type="none" w="med" len="med"/>
+            <a:tailEnd type="triangle"/>
           </a:ln>
-          <a:effectLst/>
         </p:spPr>
         <p:style>
-          <a:lnRef idx="1">
-            <a:schemeClr val="accent2"/>
+          <a:lnRef idx="3">
+            <a:schemeClr val="accent6"/>
           </a:lnRef>
-          <a:fillRef idx="3">
-            <a:schemeClr val="accent2"/>
+          <a:fillRef idx="0">
+            <a:schemeClr val="accent6"/>
           </a:fillRef>
           <a:effectRef idx="2">
-            <a:schemeClr val="accent2"/>
+            <a:schemeClr val="accent6"/>
+          </a:effectRef>
+          <a:fontRef idx="minor">
+            <a:schemeClr val="tx1"/>
+          </a:fontRef>
+        </p:style>
+      </p:cxnSp>
+      <p:cxnSp>
+        <p:nvCxnSpPr>
+          <p:cNvPr id="14" name="Straight Arrow Connector 13">
+            <a:extLst>
+              <a:ext uri="{FF2B5EF4-FFF2-40B4-BE49-F238E27FC236}">
+                <a16:creationId xmlns:a16="http://schemas.microsoft.com/office/drawing/2014/main" id="{AB74CC32-E03D-4D2E-A40B-0BBA2B0D5E96}"/>
+              </a:ext>
+            </a:extLst>
+          </p:cNvPr>
+          <p:cNvCxnSpPr>
+            <a:cxnSpLocks/>
+          </p:cNvCxnSpPr>
+          <p:nvPr/>
+        </p:nvCxnSpPr>
+        <p:spPr bwMode="auto">
+          <a:xfrm>
+            <a:off x="6650917" y="1828211"/>
+            <a:ext cx="0" cy="765422"/>
+          </a:xfrm>
+          <a:prstGeom prst="straightConnector1">
+            <a:avLst/>
+          </a:prstGeom>
+          <a:ln w="76200">
+            <a:solidFill>
+              <a:schemeClr val="accent4">
+                <a:lumMod val="75000"/>
+              </a:schemeClr>
+            </a:solidFill>
+            <a:headEnd type="none" w="med" len="med"/>
+            <a:tailEnd type="triangle"/>
+          </a:ln>
+        </p:spPr>
+        <p:style>
+          <a:lnRef idx="3">
+            <a:schemeClr val="accent6"/>
+          </a:lnRef>
+          <a:fillRef idx="0">
+            <a:schemeClr val="accent6"/>
+          </a:fillRef>
+          <a:effectRef idx="2">
+            <a:schemeClr val="accent6"/>
+          </a:effectRef>
+          <a:fontRef idx="minor">
+            <a:schemeClr val="tx1"/>
+          </a:fontRef>
+        </p:style>
+      </p:cxnSp>
+      <p:grpSp>
+        <p:nvGrpSpPr>
+          <p:cNvPr id="15" name="Group 14">
+            <a:extLst>
+              <a:ext uri="{FF2B5EF4-FFF2-40B4-BE49-F238E27FC236}">
+                <a16:creationId xmlns:a16="http://schemas.microsoft.com/office/drawing/2014/main" id="{54299389-DF6D-4E96-81E3-7E05FB772D4D}"/>
+              </a:ext>
+            </a:extLst>
+          </p:cNvPr>
+          <p:cNvGrpSpPr/>
+          <p:nvPr/>
+        </p:nvGrpSpPr>
+        <p:grpSpPr>
+          <a:xfrm>
+            <a:off x="9150702" y="1563309"/>
+            <a:ext cx="1447800" cy="1733550"/>
+            <a:chOff x="4929816" y="501783"/>
+            <a:chExt cx="1447800" cy="1733550"/>
+          </a:xfrm>
+        </p:grpSpPr>
+        <p:pic>
+          <p:nvPicPr>
+            <p:cNvPr id="4" name="Picture 3">
+              <a:extLst>
+                <a:ext uri="{FF2B5EF4-FFF2-40B4-BE49-F238E27FC236}">
+                  <a16:creationId xmlns:a16="http://schemas.microsoft.com/office/drawing/2014/main" id="{3884DD85-31C4-489F-A519-AECF689855CD}"/>
+                </a:ext>
+              </a:extLst>
+            </p:cNvPr>
+            <p:cNvPicPr>
+              <a:picLocks noChangeAspect="1"/>
+            </p:cNvPicPr>
+            <p:nvPr/>
+          </p:nvPicPr>
+          <p:blipFill>
+            <a:blip r:embed="rId6"/>
+            <a:stretch>
+              <a:fillRect/>
+            </a:stretch>
+          </p:blipFill>
+          <p:spPr>
+            <a:xfrm>
+              <a:off x="4929816" y="1368558"/>
+              <a:ext cx="1447800" cy="866775"/>
+            </a:xfrm>
+            <a:prstGeom prst="rect">
+              <a:avLst/>
+            </a:prstGeom>
+          </p:spPr>
+        </p:pic>
+        <p:sp>
+          <p:nvSpPr>
+            <p:cNvPr id="5" name="Rectangle 4">
+              <a:extLst>
+                <a:ext uri="{FF2B5EF4-FFF2-40B4-BE49-F238E27FC236}">
+                  <a16:creationId xmlns:a16="http://schemas.microsoft.com/office/drawing/2014/main" id="{7ABEDDBB-3943-4193-8622-9DA74DBBC3B2}"/>
+                </a:ext>
+              </a:extLst>
+            </p:cNvPr>
+            <p:cNvSpPr/>
+            <p:nvPr/>
+          </p:nvSpPr>
+          <p:spPr>
+            <a:xfrm>
+              <a:off x="4929816" y="501783"/>
+              <a:ext cx="1447800" cy="830997"/>
+            </a:xfrm>
+            <a:prstGeom prst="rect">
+              <a:avLst/>
+            </a:prstGeom>
+            <a:solidFill>
+              <a:schemeClr val="accent4">
+                <a:lumMod val="75000"/>
+              </a:schemeClr>
+            </a:solidFill>
+          </p:spPr>
+          <p:style>
+            <a:lnRef idx="1">
+              <a:schemeClr val="accent1"/>
+            </a:lnRef>
+            <a:fillRef idx="2">
+              <a:schemeClr val="accent1"/>
+            </a:fillRef>
+            <a:effectRef idx="1">
+              <a:schemeClr val="accent1"/>
+            </a:effectRef>
+            <a:fontRef idx="minor">
+              <a:schemeClr val="dk1"/>
+            </a:fontRef>
+          </p:style>
+          <p:txBody>
+            <a:bodyPr wrap="square" lIns="91440" tIns="45720" rIns="91440" bIns="45720">
+              <a:spAutoFit/>
+            </a:bodyPr>
+            <a:lstStyle/>
+            <a:p>
+              <a:pPr algn="ctr"/>
+              <a:r>
+                <a:rPr lang="en-US" sz="2400" b="1" dirty="0">
+                  <a:ln w="1905"/>
+                  <a:solidFill>
+                    <a:schemeClr val="bg1"/>
+                  </a:solidFill>
+                  <a:effectLst>
+                    <a:innerShdw blurRad="69850" dist="43180" dir="5400000">
+                      <a:srgbClr val="000000">
+                        <a:alpha val="65000"/>
+                      </a:srgbClr>
+                    </a:innerShdw>
+                  </a:effectLst>
+                </a:rPr>
+                <a:t>Student Source</a:t>
+              </a:r>
+            </a:p>
+          </p:txBody>
+        </p:sp>
+      </p:grpSp>
+      <p:sp>
+        <p:nvSpPr>
+          <p:cNvPr id="21" name="Arrow: Right 20">
+            <a:extLst>
+              <a:ext uri="{FF2B5EF4-FFF2-40B4-BE49-F238E27FC236}">
+                <a16:creationId xmlns:a16="http://schemas.microsoft.com/office/drawing/2014/main" id="{B2C19E9F-5A98-423D-BF78-B4E5EF715A4C}"/>
+              </a:ext>
+            </a:extLst>
+          </p:cNvPr>
+          <p:cNvSpPr/>
+          <p:nvPr/>
+        </p:nvSpPr>
+        <p:spPr>
+          <a:xfrm>
+            <a:off x="8426802" y="5424503"/>
+            <a:ext cx="1447800" cy="885809"/>
+          </a:xfrm>
+          <a:prstGeom prst="rightArrow">
+            <a:avLst/>
+          </a:prstGeom>
+          <a:solidFill>
+            <a:schemeClr val="accent4">
+              <a:lumMod val="75000"/>
+            </a:schemeClr>
+          </a:solidFill>
+        </p:spPr>
+        <p:style>
+          <a:lnRef idx="2">
+            <a:schemeClr val="accent1">
+              <a:shade val="50000"/>
+            </a:schemeClr>
+          </a:lnRef>
+          <a:fillRef idx="1">
+            <a:schemeClr val="accent1"/>
+          </a:fillRef>
+          <a:effectRef idx="0">
+            <a:schemeClr val="accent1"/>
           </a:effectRef>
           <a:fontRef idx="minor">
             <a:schemeClr val="lt1"/>
           </a:fontRef>
         </p:style>
         <p:txBody>
-          <a:bodyPr rot="0" spcFirstLastPara="0" vertOverflow="overflow" horzOverflow="overflow" vert="horz" wrap="square" lIns="186521" tIns="149217" rIns="186521" bIns="149217" numCol="1" spcCol="0" rtlCol="0" fromWordArt="0" anchor="t" anchorCtr="0" forceAA="0" compatLnSpc="1">
-            <a:prstTxWarp prst="textNoShape">
-              <a:avLst/>
-            </a:prstTxWarp>
-            <a:noAutofit/>
+          <a:bodyPr rtlCol="0" anchor="ctr"/>
+          <a:lstStyle/>
+          <a:p>
+            <a:pPr algn="ctr"/>
+            <a:endParaRPr lang="en-US"/>
+          </a:p>
+        </p:txBody>
+      </p:sp>
+      <p:sp>
+        <p:nvSpPr>
+          <p:cNvPr id="22" name="TextBox 21">
+            <a:extLst>
+              <a:ext uri="{FF2B5EF4-FFF2-40B4-BE49-F238E27FC236}">
+                <a16:creationId xmlns:a16="http://schemas.microsoft.com/office/drawing/2014/main" id="{8DAA2B7E-E162-4DA0-ADF9-32528201C2DA}"/>
+              </a:ext>
+            </a:extLst>
+          </p:cNvPr>
+          <p:cNvSpPr txBox="1"/>
+          <p:nvPr/>
+        </p:nvSpPr>
+        <p:spPr>
+          <a:xfrm>
+            <a:off x="8602588" y="5671718"/>
+            <a:ext cx="1030678" cy="369332"/>
+          </a:xfrm>
+          <a:prstGeom prst="rect">
+            <a:avLst/>
+          </a:prstGeom>
+          <a:noFill/>
+        </p:spPr>
+        <p:txBody>
+          <a:bodyPr wrap="square" rtlCol="0">
+            <a:spAutoFit/>
           </a:bodyPr>
           <a:lstStyle/>
           <a:p>
-            <a:pPr algn="ctr" defTabSz="969953" fontAlgn="base">
-              <a:lnSpc>
-                <a:spcPct val="90000"/>
-              </a:lnSpc>
-              <a:spcBef>
-                <a:spcPct val="0"/>
-              </a:spcBef>
-              <a:spcAft>
-                <a:spcPct val="0"/>
-              </a:spcAft>
-              <a:defRPr/>
-            </a:pPr>
-            <a:endParaRPr lang="en-US" sz="8800" kern="0" dirty="0">
-              <a:gradFill>
-                <a:gsLst>
-                  <a:gs pos="0">
-                    <a:srgbClr val="FFFFFF"/>
-                  </a:gs>
-                  <a:gs pos="100000">
-                    <a:srgbClr val="FFFFFF"/>
-                  </a:gs>
-                </a:gsLst>
-                <a:lin ang="5400000" scaled="0"/>
-              </a:gradFill>
-              <a:ea typeface="Segoe UI" pitchFamily="34" charset="0"/>
-              <a:cs typeface="Segoe UI" pitchFamily="34" charset="0"/>
-            </a:endParaRPr>
-          </a:p>
-          <a:p>
-            <a:pPr algn="ctr" defTabSz="969953" fontAlgn="base">
-              <a:lnSpc>
-                <a:spcPct val="90000"/>
-              </a:lnSpc>
-              <a:spcBef>
-                <a:spcPct val="0"/>
-              </a:spcBef>
-              <a:spcAft>
-                <a:spcPct val="0"/>
-              </a:spcAft>
-              <a:defRPr/>
-            </a:pPr>
             <a:r>
-              <a:rPr lang="en-US" sz="8800" kern="0" dirty="0">
+              <a:rPr lang="en-US" dirty="0">
                 <a:solidFill>
-                  <a:schemeClr val="accent4">
-                    <a:lumMod val="75000"/>
-                  </a:schemeClr>
+                  <a:schemeClr val="bg1"/>
                 </a:solidFill>
-                <a:ea typeface="Segoe UI" pitchFamily="34" charset="0"/>
-                <a:cs typeface="Segoe UI" pitchFamily="34" charset="0"/>
               </a:rPr>
-              <a:t>Demonstration</a:t>
+              <a:t>Results</a:t>
             </a:r>
           </a:p>
         </p:txBody>
       </p:sp>
+      <p:cxnSp>
+        <p:nvCxnSpPr>
+          <p:cNvPr id="23" name="Straight Connector 22">
+            <a:extLst>
+              <a:ext uri="{FF2B5EF4-FFF2-40B4-BE49-F238E27FC236}">
+                <a16:creationId xmlns:a16="http://schemas.microsoft.com/office/drawing/2014/main" id="{0B73E718-7439-4078-832A-F6218FE3DB4A}"/>
+              </a:ext>
+            </a:extLst>
+          </p:cNvPr>
+          <p:cNvCxnSpPr>
+            <a:cxnSpLocks/>
+          </p:cNvCxnSpPr>
+          <p:nvPr/>
+        </p:nvCxnSpPr>
+        <p:spPr>
+          <a:xfrm flipV="1">
+            <a:off x="4208821" y="781258"/>
+            <a:ext cx="0" cy="5389354"/>
+          </a:xfrm>
+          <a:prstGeom prst="line">
+            <a:avLst/>
+          </a:prstGeom>
+          <a:ln w="38100">
+            <a:solidFill>
+              <a:schemeClr val="accent4">
+                <a:lumMod val="75000"/>
+              </a:schemeClr>
+            </a:solidFill>
+          </a:ln>
+        </p:spPr>
+        <p:style>
+          <a:lnRef idx="1">
+            <a:schemeClr val="accent1"/>
+          </a:lnRef>
+          <a:fillRef idx="0">
+            <a:schemeClr val="accent1"/>
+          </a:fillRef>
+          <a:effectRef idx="0">
+            <a:schemeClr val="accent1"/>
+          </a:effectRef>
+          <a:fontRef idx="minor">
+            <a:schemeClr val="tx1"/>
+          </a:fontRef>
+        </p:style>
+      </p:cxnSp>
     </p:spTree>
     <p:extLst>
       <p:ext uri="{BB962C8B-B14F-4D97-AF65-F5344CB8AC3E}">
-        <p14:creationId xmlns:p14="http://schemas.microsoft.com/office/powerpoint/2010/main" val="3319436321"/>
+        <p14:creationId xmlns:p14="http://schemas.microsoft.com/office/powerpoint/2010/main" val="884391816"/>
       </p:ext>
     </p:extLst>
   </p:cSld>
@@ -7962,7 +8814,7 @@
                 <a:ea typeface="Segoe UI" pitchFamily="34" charset="0"/>
                 <a:cs typeface="Segoe UI" pitchFamily="34" charset="0"/>
               </a:rPr>
-              <a:t>Questions?</a:t>
+              <a:t>Demonstration</a:t>
             </a:r>
           </a:p>
         </p:txBody>
@@ -7970,7 +8822,7 @@
     </p:spTree>
     <p:extLst>
       <p:ext uri="{BB962C8B-B14F-4D97-AF65-F5344CB8AC3E}">
-        <p14:creationId xmlns:p14="http://schemas.microsoft.com/office/powerpoint/2010/main" val="2373269132"/>
+        <p14:creationId xmlns:p14="http://schemas.microsoft.com/office/powerpoint/2010/main" val="3319436321"/>
       </p:ext>
     </p:extLst>
   </p:cSld>
